--- a/Midterm_Project/PPT/iRecipe.pptx
+++ b/Midterm_Project/PPT/iRecipe.pptx
@@ -14,7 +14,9 @@
     <p:sldId id="261" r:id="rId8"/>
     <p:sldId id="262" r:id="rId9"/>
     <p:sldId id="263" r:id="rId10"/>
-    <p:sldId id="264" r:id="rId11"/>
+    <p:sldId id="266" r:id="rId11"/>
+    <p:sldId id="265" r:id="rId12"/>
+    <p:sldId id="267" r:id="rId13"/>
   </p:sldIdLst>
   <p:sldSz cx="12192000" cy="6858000"/>
   <p:notesSz cx="6858000" cy="9144000"/>
@@ -113,7 +115,24 @@
       </a:defRPr>
     </a:lvl9pPr>
   </p:defaultTextStyle>
+  <p:extLst>
+    <p:ext uri="{EFAFB233-063F-42B5-8137-9DF3F51BA10A}">
+      <p15:sldGuideLst xmlns:p15="http://schemas.microsoft.com/office/powerpoint/2012/main"/>
+    </p:ext>
+  </p:extLst>
 </p:presentation>
+</file>
+
+<file path=ppt/commentAuthors.xml><?xml version="1.0" encoding="utf-8"?>
+<p:cmAuthorLst xmlns:a="http://schemas.openxmlformats.org/drawingml/2006/main" xmlns:r="http://schemas.openxmlformats.org/officeDocument/2006/relationships" xmlns:p="http://schemas.openxmlformats.org/presentationml/2006/main">
+  <p:cmAuthor id="1" name="鄭人豪" initials="鄭人豪" lastIdx="1" clrIdx="0">
+    <p:extLst>
+      <p:ext uri="{19B8F6BF-5375-455C-9EA6-DF929625EA0E}">
+        <p15:presenceInfo xmlns:p15="http://schemas.microsoft.com/office/powerpoint/2012/main" userId="8206123202fe4e1f" providerId="Windows Live"/>
+      </p:ext>
+    </p:extLst>
+  </p:cmAuthor>
+</p:cmAuthorLst>
 </file>
 
 <file path=ppt/slideLayouts/slideLayout1.xml><?xml version="1.0" encoding="utf-8"?>
@@ -6611,60 +6630,119 @@
           <a:lstStyle/>
           <a:p>
             <a:r>
-              <a:rPr lang="zh-TW" altLang="en-US" sz="2400" dirty="0" smtClean="0"/>
+              <a:rPr lang="zh-TW" altLang="en-US" sz="2400" dirty="0" smtClean="0">
+                <a:latin typeface="微軟正黑體" panose="020B0604030504040204" pitchFamily="34" charset="-120"/>
+                <a:ea typeface="微軟正黑體" panose="020B0604030504040204" pitchFamily="34" charset="-120"/>
+              </a:rPr>
               <a:t>四資二 </a:t>
             </a:r>
             <a:r>
-              <a:rPr lang="en-US" altLang="zh-TW" sz="2400" dirty="0" smtClean="0"/>
+              <a:rPr lang="en-US" altLang="zh-TW" sz="2400" dirty="0" smtClean="0">
+                <a:latin typeface="微軟正黑體" panose="020B0604030504040204" pitchFamily="34" charset="-120"/>
+                <a:ea typeface="微軟正黑體" panose="020B0604030504040204" pitchFamily="34" charset="-120"/>
+              </a:rPr>
               <a:t>104590005</a:t>
             </a:r>
             <a:r>
-              <a:rPr lang="zh-TW" altLang="en-US" sz="2400" dirty="0" smtClean="0"/>
+              <a:rPr lang="zh-TW" altLang="en-US" sz="2400" dirty="0" smtClean="0">
+                <a:latin typeface="微軟正黑體" panose="020B0604030504040204" pitchFamily="34" charset="-120"/>
+                <a:ea typeface="微軟正黑體" panose="020B0604030504040204" pitchFamily="34" charset="-120"/>
+              </a:rPr>
               <a:t> 鄭人豪</a:t>
             </a:r>
-            <a:endParaRPr lang="en-US" altLang="zh-TW" sz="2400" dirty="0" smtClean="0"/>
-          </a:p>
-          <a:p>
-            <a:r>
-              <a:rPr lang="zh-TW" altLang="en-US" sz="2400" dirty="0" smtClean="0"/>
+            <a:endParaRPr lang="en-US" altLang="zh-TW" sz="2400" dirty="0" smtClean="0">
+              <a:latin typeface="微軟正黑體" panose="020B0604030504040204" pitchFamily="34" charset="-120"/>
+              <a:ea typeface="微軟正黑體" panose="020B0604030504040204" pitchFamily="34" charset="-120"/>
+            </a:endParaRPr>
+          </a:p>
+          <a:p>
+            <a:r>
+              <a:rPr lang="zh-TW" altLang="en-US" sz="2400" dirty="0" smtClean="0">
+                <a:latin typeface="微軟正黑體" panose="020B0604030504040204" pitchFamily="34" charset="-120"/>
+                <a:ea typeface="微軟正黑體" panose="020B0604030504040204" pitchFamily="34" charset="-120"/>
+              </a:rPr>
               <a:t>四</a:t>
             </a:r>
             <a:r>
-              <a:rPr lang="zh-TW" altLang="en-US" sz="2400" dirty="0"/>
+              <a:rPr lang="zh-TW" altLang="en-US" sz="2400" dirty="0">
+                <a:latin typeface="微軟正黑體" panose="020B0604030504040204" pitchFamily="34" charset="-120"/>
+                <a:ea typeface="微軟正黑體" panose="020B0604030504040204" pitchFamily="34" charset="-120"/>
+              </a:rPr>
               <a:t>資</a:t>
             </a:r>
             <a:r>
-              <a:rPr lang="zh-TW" altLang="en-US" sz="2400" dirty="0" smtClean="0"/>
+              <a:rPr lang="zh-TW" altLang="en-US" sz="2400" dirty="0" smtClean="0">
+                <a:latin typeface="微軟正黑體" panose="020B0604030504040204" pitchFamily="34" charset="-120"/>
+                <a:ea typeface="微軟正黑體" panose="020B0604030504040204" pitchFamily="34" charset="-120"/>
+              </a:rPr>
               <a:t>二 </a:t>
             </a:r>
             <a:r>
-              <a:rPr lang="en-US" altLang="zh-TW" sz="2400" dirty="0" smtClean="0"/>
+              <a:rPr lang="en-US" altLang="zh-TW" sz="2400" dirty="0" smtClean="0">
+                <a:latin typeface="微軟正黑體" panose="020B0604030504040204" pitchFamily="34" charset="-120"/>
+                <a:ea typeface="微軟正黑體" panose="020B0604030504040204" pitchFamily="34" charset="-120"/>
+              </a:rPr>
               <a:t>1045900</a:t>
             </a:r>
             <a:r>
-              <a:rPr lang="zh-TW" altLang="en-US" sz="2400" dirty="0" smtClean="0"/>
-              <a:t>     陳立宭</a:t>
-            </a:r>
-            <a:endParaRPr lang="en-US" altLang="zh-TW" sz="2400" dirty="0" smtClean="0"/>
-          </a:p>
-          <a:p>
-            <a:r>
-              <a:rPr lang="zh-TW" altLang="en-US" sz="2400" dirty="0"/>
+              <a:rPr lang="en-US" altLang="zh-TW" sz="2400" dirty="0" smtClean="0">
+                <a:latin typeface="微軟正黑體" panose="020B0604030504040204" pitchFamily="34" charset="-120"/>
+                <a:ea typeface="微軟正黑體" panose="020B0604030504040204" pitchFamily="34" charset="-120"/>
+              </a:rPr>
+              <a:t>21</a:t>
+            </a:r>
+            <a:r>
+              <a:rPr lang="zh-TW" altLang="en-US" sz="2400" dirty="0" smtClean="0">
+                <a:latin typeface="微軟正黑體" panose="020B0604030504040204" pitchFamily="34" charset="-120"/>
+                <a:ea typeface="微軟正黑體" panose="020B0604030504040204" pitchFamily="34" charset="-120"/>
+              </a:rPr>
+              <a:t> </a:t>
+            </a:r>
+            <a:r>
+              <a:rPr lang="zh-TW" altLang="en-US" sz="2400" dirty="0" smtClean="0">
+                <a:latin typeface="微軟正黑體" panose="020B0604030504040204" pitchFamily="34" charset="-120"/>
+                <a:ea typeface="微軟正黑體" panose="020B0604030504040204" pitchFamily="34" charset="-120"/>
+              </a:rPr>
+              <a:t>陳立宭</a:t>
+            </a:r>
+            <a:endParaRPr lang="en-US" altLang="zh-TW" sz="2400" dirty="0" smtClean="0">
+              <a:latin typeface="微軟正黑體" panose="020B0604030504040204" pitchFamily="34" charset="-120"/>
+              <a:ea typeface="微軟正黑體" panose="020B0604030504040204" pitchFamily="34" charset="-120"/>
+            </a:endParaRPr>
+          </a:p>
+          <a:p>
+            <a:r>
+              <a:rPr lang="zh-TW" altLang="en-US" sz="2400" dirty="0">
+                <a:latin typeface="微軟正黑體" panose="020B0604030504040204" pitchFamily="34" charset="-120"/>
+                <a:ea typeface="微軟正黑體" panose="020B0604030504040204" pitchFamily="34" charset="-120"/>
+              </a:rPr>
               <a:t>四資</a:t>
             </a:r>
             <a:r>
-              <a:rPr lang="zh-TW" altLang="en-US" sz="2400" dirty="0" smtClean="0"/>
+              <a:rPr lang="zh-TW" altLang="en-US" sz="2400" dirty="0" smtClean="0">
+                <a:latin typeface="微軟正黑體" panose="020B0604030504040204" pitchFamily="34" charset="-120"/>
+                <a:ea typeface="微軟正黑體" panose="020B0604030504040204" pitchFamily="34" charset="-120"/>
+              </a:rPr>
               <a:t>二 </a:t>
             </a:r>
             <a:r>
-              <a:rPr lang="en-US" altLang="zh-TW" sz="2400" dirty="0" smtClean="0"/>
+              <a:rPr lang="en-US" altLang="zh-TW" sz="2400" dirty="0" smtClean="0">
+                <a:latin typeface="微軟正黑體" panose="020B0604030504040204" pitchFamily="34" charset="-120"/>
+                <a:ea typeface="微軟正黑體" panose="020B0604030504040204" pitchFamily="34" charset="-120"/>
+              </a:rPr>
               <a:t>104590045</a:t>
             </a:r>
             <a:r>
-              <a:rPr lang="zh-TW" altLang="en-US" sz="2400" dirty="0" smtClean="0"/>
+              <a:rPr lang="zh-TW" altLang="en-US" sz="2400" dirty="0" smtClean="0">
+                <a:latin typeface="微軟正黑體" panose="020B0604030504040204" pitchFamily="34" charset="-120"/>
+                <a:ea typeface="微軟正黑體" panose="020B0604030504040204" pitchFamily="34" charset="-120"/>
+              </a:rPr>
               <a:t> 彭正鈦</a:t>
             </a:r>
-            <a:endParaRPr lang="en-US" sz="2400" dirty="0"/>
+            <a:endParaRPr lang="en-US" sz="2400" dirty="0">
+              <a:latin typeface="微軟正黑體" panose="020B0604030504040204" pitchFamily="34" charset="-120"/>
+              <a:ea typeface="微軟正黑體" panose="020B0604030504040204" pitchFamily="34" charset="-120"/>
+            </a:endParaRPr>
           </a:p>
         </p:txBody>
       </p:sp>
@@ -6702,6 +6780,268 @@
     <p:extLst>
       <p:ext uri="{BB962C8B-B14F-4D97-AF65-F5344CB8AC3E}">
         <p14:creationId xmlns:p14="http://schemas.microsoft.com/office/powerpoint/2010/main" val="2688064609"/>
+      </p:ext>
+    </p:extLst>
+  </p:cSld>
+  <p:clrMapOvr>
+    <a:masterClrMapping/>
+  </p:clrMapOvr>
+  <p:timing>
+    <p:tnLst>
+      <p:par>
+        <p:cTn id="1" dur="indefinite" restart="never" nodeType="tmRoot"/>
+      </p:par>
+    </p:tnLst>
+  </p:timing>
+</p:sld>
+</file>
+
+<file path=ppt/slides/slide10.xml><?xml version="1.0" encoding="utf-8"?>
+<p:sld xmlns:a="http://schemas.openxmlformats.org/drawingml/2006/main" xmlns:r="http://schemas.openxmlformats.org/officeDocument/2006/relationships" xmlns:p="http://schemas.openxmlformats.org/presentationml/2006/main">
+  <p:cSld>
+    <p:spTree>
+      <p:nvGrpSpPr>
+        <p:cNvPr id="1" name=""/>
+        <p:cNvGrpSpPr/>
+        <p:nvPr/>
+      </p:nvGrpSpPr>
+      <p:grpSpPr>
+        <a:xfrm>
+          <a:off x="0" y="0"/>
+          <a:ext cx="0" cy="0"/>
+          <a:chOff x="0" y="0"/>
+          <a:chExt cx="0" cy="0"/>
+        </a:xfrm>
+      </p:grpSpPr>
+      <p:sp>
+        <p:nvSpPr>
+          <p:cNvPr id="3" name="內容版面配置區 2"/>
+          <p:cNvSpPr>
+            <a:spLocks noGrp="1"/>
+          </p:cNvSpPr>
+          <p:nvPr>
+            <p:ph idx="1"/>
+          </p:nvPr>
+        </p:nvSpPr>
+        <p:spPr/>
+        <p:txBody>
+          <a:bodyPr/>
+          <a:lstStyle/>
+          <a:p>
+            <a:r>
+              <a:rPr lang="zh-TW" altLang="en-US" dirty="0" smtClean="0"/>
+              <a:t>使用語言：</a:t>
+            </a:r>
+            <a:r>
+              <a:rPr lang="en-US" altLang="zh-TW" dirty="0" smtClean="0"/>
+              <a:t>HTML, CSS</a:t>
+            </a:r>
+          </a:p>
+          <a:p>
+            <a:r>
+              <a:rPr lang="zh-TW" altLang="en-US" dirty="0" smtClean="0"/>
+              <a:t>輪</a:t>
+            </a:r>
+            <a:r>
+              <a:rPr lang="zh-TW" altLang="en-US" dirty="0"/>
+              <a:t>播</a:t>
+            </a:r>
+            <a:r>
+              <a:rPr lang="zh-TW" altLang="en-US" dirty="0" smtClean="0"/>
+              <a:t>效果：</a:t>
+            </a:r>
+            <a:r>
+              <a:rPr lang="en-US" altLang="zh-TW" dirty="0" smtClean="0"/>
+              <a:t>JavaScript</a:t>
+            </a:r>
+          </a:p>
+          <a:p>
+            <a:r>
+              <a:rPr lang="zh-TW" altLang="en-US" dirty="0" smtClean="0"/>
+              <a:t>使用框架：</a:t>
+            </a:r>
+            <a:r>
+              <a:rPr lang="en-US" altLang="zh-TW" dirty="0" smtClean="0"/>
+              <a:t>Bootstrap</a:t>
+            </a:r>
+          </a:p>
+          <a:p>
+            <a:r>
+              <a:rPr lang="zh-TW" altLang="en-US" dirty="0" smtClean="0"/>
+              <a:t>版本管理：</a:t>
+            </a:r>
+            <a:r>
+              <a:rPr lang="en-US" altLang="zh-TW" dirty="0" err="1" smtClean="0"/>
+              <a:t>Git</a:t>
+            </a:r>
+            <a:r>
+              <a:rPr lang="en-US" altLang="zh-TW" dirty="0" smtClean="0"/>
+              <a:t>, </a:t>
+            </a:r>
+            <a:r>
+              <a:rPr lang="en-US" altLang="zh-TW" dirty="0" err="1" smtClean="0"/>
+              <a:t>SourceTree</a:t>
+            </a:r>
+            <a:endParaRPr lang="zh-TW" altLang="en-US" dirty="0"/>
+          </a:p>
+        </p:txBody>
+      </p:sp>
+      <p:sp>
+        <p:nvSpPr>
+          <p:cNvPr id="4" name="標題 1"/>
+          <p:cNvSpPr>
+            <a:spLocks noGrp="1"/>
+          </p:cNvSpPr>
+          <p:nvPr>
+            <p:ph type="title"/>
+          </p:nvPr>
+        </p:nvSpPr>
+        <p:spPr>
+          <a:xfrm>
+            <a:off x="1600200" y="731520"/>
+            <a:ext cx="2726871" cy="640080"/>
+          </a:xfrm>
+        </p:spPr>
+        <p:txBody>
+          <a:bodyPr>
+            <a:normAutofit/>
+          </a:bodyPr>
+          <a:lstStyle/>
+          <a:p>
+            <a:r>
+              <a:rPr lang="zh-TW" altLang="en-US" sz="4000" dirty="0" smtClean="0">
+                <a:latin typeface="微軟正黑體" panose="020B0604030504040204" pitchFamily="34" charset="-120"/>
+                <a:ea typeface="微軟正黑體" panose="020B0604030504040204" pitchFamily="34" charset="-120"/>
+              </a:rPr>
+              <a:t>技術說明</a:t>
+            </a:r>
+            <a:endParaRPr lang="en-US" sz="4000" dirty="0">
+              <a:latin typeface="微軟正黑體" panose="020B0604030504040204" pitchFamily="34" charset="-120"/>
+              <a:ea typeface="微軟正黑體" panose="020B0604030504040204" pitchFamily="34" charset="-120"/>
+            </a:endParaRPr>
+          </a:p>
+        </p:txBody>
+      </p:sp>
+      <p:pic>
+        <p:nvPicPr>
+          <p:cNvPr id="7" name="圖片 6"/>
+          <p:cNvPicPr>
+            <a:picLocks noChangeAspect="1"/>
+          </p:cNvPicPr>
+          <p:nvPr/>
+        </p:nvPicPr>
+        <p:blipFill>
+          <a:blip r:embed="rId2"/>
+          <a:stretch>
+            <a:fillRect/>
+          </a:stretch>
+        </p:blipFill>
+        <p:spPr>
+          <a:xfrm>
+            <a:off x="5170714" y="405849"/>
+            <a:ext cx="6739039" cy="5060496"/>
+          </a:xfrm>
+          <a:prstGeom prst="rect">
+            <a:avLst/>
+          </a:prstGeom>
+        </p:spPr>
+      </p:pic>
+    </p:spTree>
+    <p:extLst>
+      <p:ext uri="{BB962C8B-B14F-4D97-AF65-F5344CB8AC3E}">
+        <p14:creationId xmlns:p14="http://schemas.microsoft.com/office/powerpoint/2010/main" val="40926228"/>
+      </p:ext>
+    </p:extLst>
+  </p:cSld>
+  <p:clrMapOvr>
+    <a:masterClrMapping/>
+  </p:clrMapOvr>
+  <p:timing>
+    <p:tnLst>
+      <p:par>
+        <p:cTn id="1" dur="indefinite" restart="never" nodeType="tmRoot"/>
+      </p:par>
+    </p:tnLst>
+  </p:timing>
+</p:sld>
+</file>
+
+<file path=ppt/slides/slide11.xml><?xml version="1.0" encoding="utf-8"?>
+<p:sld xmlns:a="http://schemas.openxmlformats.org/drawingml/2006/main" xmlns:r="http://schemas.openxmlformats.org/officeDocument/2006/relationships" xmlns:p="http://schemas.openxmlformats.org/presentationml/2006/main">
+  <p:cSld>
+    <p:spTree>
+      <p:nvGrpSpPr>
+        <p:cNvPr id="1" name=""/>
+        <p:cNvGrpSpPr/>
+        <p:nvPr/>
+      </p:nvGrpSpPr>
+      <p:grpSpPr>
+        <a:xfrm>
+          <a:off x="0" y="0"/>
+          <a:ext cx="0" cy="0"/>
+          <a:chOff x="0" y="0"/>
+          <a:chExt cx="0" cy="0"/>
+        </a:xfrm>
+      </p:grpSpPr>
+      <p:sp>
+        <p:nvSpPr>
+          <p:cNvPr id="2" name="標題 1"/>
+          <p:cNvSpPr>
+            <a:spLocks noGrp="1"/>
+          </p:cNvSpPr>
+          <p:nvPr>
+            <p:ph type="title"/>
+          </p:nvPr>
+        </p:nvSpPr>
+        <p:spPr/>
+        <p:txBody>
+          <a:bodyPr/>
+          <a:lstStyle/>
+          <a:p>
+            <a:r>
+              <a:rPr lang="en-US" altLang="zh-TW" dirty="0" smtClean="0"/>
+              <a:t>DEMO</a:t>
+            </a:r>
+            <a:endParaRPr lang="zh-TW" altLang="en-US" dirty="0"/>
+          </a:p>
+        </p:txBody>
+      </p:sp>
+      <p:sp>
+        <p:nvSpPr>
+          <p:cNvPr id="4" name="文字方塊 3"/>
+          <p:cNvSpPr txBox="1"/>
+          <p:nvPr/>
+        </p:nvSpPr>
+        <p:spPr>
+          <a:xfrm>
+            <a:off x="1534696" y="2237014"/>
+            <a:ext cx="7318029" cy="369332"/>
+          </a:xfrm>
+          <a:prstGeom prst="rect">
+            <a:avLst/>
+          </a:prstGeom>
+          <a:noFill/>
+        </p:spPr>
+        <p:txBody>
+          <a:bodyPr wrap="none" rtlCol="0">
+            <a:spAutoFit/>
+          </a:bodyPr>
+          <a:lstStyle/>
+          <a:p>
+            <a:r>
+              <a:rPr lang="en-US" altLang="zh-TW" dirty="0">
+                <a:hlinkClick r:id="rId2"/>
+              </a:rPr>
+              <a:t>https://ren-hao.github.io/MidProject/Midterm_Project/File/home.html</a:t>
+            </a:r>
+            <a:endParaRPr lang="zh-TW" altLang="en-US" dirty="0"/>
+          </a:p>
+        </p:txBody>
+      </p:sp>
+    </p:spTree>
+    <p:extLst>
+      <p:ext uri="{BB962C8B-B14F-4D97-AF65-F5344CB8AC3E}">
+        <p14:creationId xmlns:p14="http://schemas.microsoft.com/office/powerpoint/2010/main" val="3419803969"/>
       </p:ext>
     </p:extLst>
   </p:cSld>
@@ -6805,11 +7145,17 @@
               <a:buNone/>
             </a:pPr>
             <a:r>
-              <a:rPr lang="zh-TW" altLang="en-US" sz="2400" dirty="0" smtClean="0"/>
+              <a:rPr lang="zh-TW" altLang="en-US" sz="2400" dirty="0" smtClean="0">
+                <a:latin typeface="微軟正黑體" panose="020B0604030504040204" pitchFamily="34" charset="-120"/>
+                <a:ea typeface="微軟正黑體" panose="020B0604030504040204" pitchFamily="34" charset="-120"/>
+              </a:rPr>
               <a:t>租屋處有廚房不煮菜只煮泡麵</a:t>
             </a:r>
             <a:r>
-              <a:rPr lang="en-US" altLang="zh-TW" sz="2400" dirty="0" smtClean="0"/>
+              <a:rPr lang="en-US" altLang="zh-TW" sz="2400" dirty="0" smtClean="0">
+                <a:latin typeface="微軟正黑體" panose="020B0604030504040204" pitchFamily="34" charset="-120"/>
+                <a:ea typeface="微軟正黑體" panose="020B0604030504040204" pitchFamily="34" charset="-120"/>
+              </a:rPr>
               <a:t>??</a:t>
             </a:r>
           </a:p>
@@ -6817,18 +7163,27 @@
             <a:pPr marL="0" indent="0">
               <a:buNone/>
             </a:pPr>
-            <a:endParaRPr lang="en-US" altLang="zh-TW" sz="2400" dirty="0" smtClean="0"/>
+            <a:endParaRPr lang="en-US" altLang="zh-TW" sz="2400" dirty="0" smtClean="0">
+              <a:latin typeface="微軟正黑體" panose="020B0604030504040204" pitchFamily="34" charset="-120"/>
+              <a:ea typeface="微軟正黑體" panose="020B0604030504040204" pitchFamily="34" charset="-120"/>
+            </a:endParaRPr>
           </a:p>
           <a:p>
             <a:pPr marL="0" indent="0">
               <a:buNone/>
             </a:pPr>
             <a:r>
-              <a:rPr lang="zh-TW" altLang="en-US" sz="2400" dirty="0" smtClean="0"/>
+              <a:rPr lang="zh-TW" altLang="en-US" sz="2400" dirty="0" smtClean="0">
+                <a:latin typeface="微軟正黑體" panose="020B0604030504040204" pitchFamily="34" charset="-120"/>
+                <a:ea typeface="微軟正黑體" panose="020B0604030504040204" pitchFamily="34" charset="-120"/>
+              </a:rPr>
               <a:t>想吃點健康的</a:t>
             </a:r>
             <a:r>
-              <a:rPr lang="en-US" altLang="zh-TW" sz="2400" dirty="0" smtClean="0"/>
+              <a:rPr lang="en-US" altLang="zh-TW" sz="2400" dirty="0" smtClean="0">
+                <a:latin typeface="微軟正黑體" panose="020B0604030504040204" pitchFamily="34" charset="-120"/>
+                <a:ea typeface="微軟正黑體" panose="020B0604030504040204" pitchFamily="34" charset="-120"/>
+              </a:rPr>
               <a:t>??</a:t>
             </a:r>
           </a:p>
@@ -6836,18 +7191,27 @@
             <a:pPr marL="0" indent="0">
               <a:buNone/>
             </a:pPr>
-            <a:endParaRPr lang="en-US" altLang="zh-TW" sz="2400" dirty="0" smtClean="0"/>
+            <a:endParaRPr lang="en-US" altLang="zh-TW" sz="2400" dirty="0" smtClean="0">
+              <a:latin typeface="微軟正黑體" panose="020B0604030504040204" pitchFamily="34" charset="-120"/>
+              <a:ea typeface="微軟正黑體" panose="020B0604030504040204" pitchFamily="34" charset="-120"/>
+            </a:endParaRPr>
           </a:p>
           <a:p>
             <a:pPr marL="0" indent="0">
               <a:buNone/>
             </a:pPr>
             <a:r>
-              <a:rPr lang="zh-TW" altLang="en-US" sz="2400" dirty="0" smtClean="0"/>
+              <a:rPr lang="zh-TW" altLang="en-US" sz="2400" dirty="0" smtClean="0">
+                <a:latin typeface="微軟正黑體" panose="020B0604030504040204" pitchFamily="34" charset="-120"/>
+                <a:ea typeface="微軟正黑體" panose="020B0604030504040204" pitchFamily="34" charset="-120"/>
+              </a:rPr>
               <a:t>地方的媽媽沒空教你做菜</a:t>
             </a:r>
             <a:r>
-              <a:rPr lang="en-US" altLang="zh-TW" sz="2400" dirty="0" smtClean="0"/>
+              <a:rPr lang="en-US" altLang="zh-TW" sz="2400" dirty="0" smtClean="0">
+                <a:latin typeface="微軟正黑體" panose="020B0604030504040204" pitchFamily="34" charset="-120"/>
+                <a:ea typeface="微軟正黑體" panose="020B0604030504040204" pitchFamily="34" charset="-120"/>
+              </a:rPr>
               <a:t>??</a:t>
             </a:r>
           </a:p>
@@ -6950,14 +7314,23 @@
           <a:p>
             <a:pPr algn="ctr"/>
             <a:r>
-              <a:rPr lang="zh-TW" altLang="en-US" sz="4000" dirty="0" smtClean="0"/>
+              <a:rPr lang="zh-TW" altLang="en-US" sz="4400" dirty="0">
+                <a:latin typeface="微軟正黑體" panose="020B0604030504040204" pitchFamily="34" charset="-120"/>
+                <a:ea typeface="微軟正黑體" panose="020B0604030504040204" pitchFamily="34" charset="-120"/>
+              </a:rPr>
               <a:t>網站地</a:t>
             </a:r>
             <a:r>
-              <a:rPr lang="zh-TW" altLang="en-US" sz="4000" dirty="0"/>
+              <a:rPr lang="zh-TW" altLang="en-US" sz="4400" dirty="0">
+                <a:latin typeface="微軟正黑體" panose="020B0604030504040204" pitchFamily="34" charset="-120"/>
+                <a:ea typeface="微軟正黑體" panose="020B0604030504040204" pitchFamily="34" charset="-120"/>
+              </a:rPr>
               <a:t>圖</a:t>
             </a:r>
-            <a:endParaRPr lang="en-US" sz="4000" dirty="0"/>
+            <a:endParaRPr lang="en-US" sz="4400" dirty="0">
+              <a:latin typeface="微軟正黑體" panose="020B0604030504040204" pitchFamily="34" charset="-120"/>
+              <a:ea typeface="微軟正黑體" panose="020B0604030504040204" pitchFamily="34" charset="-120"/>
+            </a:endParaRPr>
           </a:p>
         </p:txBody>
       </p:sp>
@@ -7927,7 +8300,7 @@
         </p:blipFill>
         <p:spPr>
           <a:xfrm>
-            <a:off x="4802172" y="1556530"/>
+            <a:off x="8974121" y="1556530"/>
             <a:ext cx="2985205" cy="4434695"/>
           </a:xfrm>
           <a:prstGeom prst="rect">
@@ -7957,7 +8330,7 @@
         </p:blipFill>
         <p:spPr>
           <a:xfrm>
-            <a:off x="8284249" y="1556530"/>
+            <a:off x="5088415" y="1556530"/>
             <a:ext cx="3102591" cy="4434695"/>
           </a:xfrm>
           <a:prstGeom prst="rect">
@@ -8158,18 +8531,30 @@
           <a:p>
             <a:pPr algn="ctr"/>
             <a:r>
-              <a:rPr lang="zh-TW" altLang="en-US" sz="4000" dirty="0"/>
+              <a:rPr lang="zh-TW" altLang="en-US" sz="4000" dirty="0">
+                <a:latin typeface="微軟正黑體" panose="020B0604030504040204" pitchFamily="34" charset="-120"/>
+                <a:ea typeface="微軟正黑體" panose="020B0604030504040204" pitchFamily="34" charset="-120"/>
+              </a:rPr>
               <a:t>視覺</a:t>
             </a:r>
             <a:r>
-              <a:rPr lang="zh-TW" altLang="en-US" sz="4000" dirty="0" smtClean="0"/>
+              <a:rPr lang="zh-TW" altLang="en-US" sz="4000" dirty="0" smtClean="0">
+                <a:latin typeface="微軟正黑體" panose="020B0604030504040204" pitchFamily="34" charset="-120"/>
+                <a:ea typeface="微軟正黑體" panose="020B0604030504040204" pitchFamily="34" charset="-120"/>
+              </a:rPr>
               <a:t>稿</a:t>
             </a:r>
             <a:r>
-              <a:rPr lang="en-US" altLang="zh-TW" sz="4000" dirty="0" smtClean="0"/>
+              <a:rPr lang="en-US" altLang="zh-TW" sz="4000" dirty="0" smtClean="0">
+                <a:latin typeface="微軟正黑體" panose="020B0604030504040204" pitchFamily="34" charset="-120"/>
+                <a:ea typeface="微軟正黑體" panose="020B0604030504040204" pitchFamily="34" charset="-120"/>
+              </a:rPr>
               <a:t>(1/3)</a:t>
             </a:r>
-            <a:endParaRPr lang="en-US" sz="4000" dirty="0"/>
+            <a:endParaRPr lang="en-US" sz="4000" dirty="0">
+              <a:latin typeface="微軟正黑體" panose="020B0604030504040204" pitchFamily="34" charset="-120"/>
+              <a:ea typeface="微軟正黑體" panose="020B0604030504040204" pitchFamily="34" charset="-120"/>
+            </a:endParaRPr>
           </a:p>
         </p:txBody>
       </p:sp>
@@ -8197,7 +8582,7 @@
         </p:blipFill>
         <p:spPr>
           <a:xfrm>
-            <a:off x="1534696" y="1654175"/>
+            <a:off x="1053004" y="1654175"/>
             <a:ext cx="2284829" cy="3657600"/>
           </a:xfrm>
         </p:spPr>
@@ -8224,7 +8609,7 @@
         </p:blipFill>
         <p:spPr>
           <a:xfrm>
-            <a:off x="4283075" y="1654175"/>
+            <a:off x="6777719" y="1654175"/>
             <a:ext cx="2286000" cy="3657600"/>
           </a:xfrm>
           <a:prstGeom prst="rect">
@@ -8254,7 +8639,7 @@
         </p:blipFill>
         <p:spPr>
           <a:xfrm>
-            <a:off x="7032625" y="1654175"/>
+            <a:off x="3914776" y="1654175"/>
             <a:ext cx="2286000" cy="3657600"/>
           </a:xfrm>
           <a:prstGeom prst="rect">
@@ -8284,7 +8669,7 @@
         </p:blipFill>
         <p:spPr>
           <a:xfrm>
-            <a:off x="9782175" y="1654175"/>
+            <a:off x="9640662" y="1654175"/>
             <a:ext cx="2286000" cy="3657600"/>
           </a:xfrm>
           <a:prstGeom prst="rect">
@@ -8292,6 +8677,126 @@
           </a:prstGeom>
         </p:spPr>
       </p:pic>
+      <p:sp>
+        <p:nvSpPr>
+          <p:cNvPr id="3" name="文字方塊 2"/>
+          <p:cNvSpPr txBox="1"/>
+          <p:nvPr/>
+        </p:nvSpPr>
+        <p:spPr>
+          <a:xfrm>
+            <a:off x="1786491" y="5489422"/>
+            <a:ext cx="817853" cy="369332"/>
+          </a:xfrm>
+          <a:prstGeom prst="rect">
+            <a:avLst/>
+          </a:prstGeom>
+          <a:noFill/>
+        </p:spPr>
+        <p:txBody>
+          <a:bodyPr wrap="none" rtlCol="0">
+            <a:spAutoFit/>
+          </a:bodyPr>
+          <a:lstStyle/>
+          <a:p>
+            <a:r>
+              <a:rPr lang="en-US" altLang="zh-TW" dirty="0" smtClean="0"/>
+              <a:t>Home</a:t>
+            </a:r>
+            <a:endParaRPr lang="zh-TW" altLang="en-US" dirty="0"/>
+          </a:p>
+        </p:txBody>
+      </p:sp>
+      <p:sp>
+        <p:nvSpPr>
+          <p:cNvPr id="9" name="文字方塊 8"/>
+          <p:cNvSpPr txBox="1"/>
+          <p:nvPr/>
+        </p:nvSpPr>
+        <p:spPr>
+          <a:xfrm>
+            <a:off x="4768273" y="5497496"/>
+            <a:ext cx="579005" cy="369332"/>
+          </a:xfrm>
+          <a:prstGeom prst="rect">
+            <a:avLst/>
+          </a:prstGeom>
+          <a:noFill/>
+        </p:spPr>
+        <p:txBody>
+          <a:bodyPr wrap="none" rtlCol="0">
+            <a:spAutoFit/>
+          </a:bodyPr>
+          <a:lstStyle/>
+          <a:p>
+            <a:r>
+              <a:rPr lang="en-US" altLang="zh-TW" dirty="0" smtClean="0"/>
+              <a:t>Hot</a:t>
+            </a:r>
+            <a:endParaRPr lang="zh-TW" altLang="en-US" dirty="0"/>
+          </a:p>
+        </p:txBody>
+      </p:sp>
+      <p:sp>
+        <p:nvSpPr>
+          <p:cNvPr id="10" name="文字方塊 9"/>
+          <p:cNvSpPr txBox="1"/>
+          <p:nvPr/>
+        </p:nvSpPr>
+        <p:spPr>
+          <a:xfrm>
+            <a:off x="7511207" y="5489422"/>
+            <a:ext cx="679994" cy="369332"/>
+          </a:xfrm>
+          <a:prstGeom prst="rect">
+            <a:avLst/>
+          </a:prstGeom>
+          <a:noFill/>
+        </p:spPr>
+        <p:txBody>
+          <a:bodyPr wrap="none" rtlCol="0">
+            <a:spAutoFit/>
+          </a:bodyPr>
+          <a:lstStyle/>
+          <a:p>
+            <a:r>
+              <a:rPr lang="en-US" altLang="zh-TW" dirty="0" smtClean="0"/>
+              <a:t>New</a:t>
+            </a:r>
+            <a:endParaRPr lang="zh-TW" altLang="en-US" dirty="0"/>
+          </a:p>
+        </p:txBody>
+      </p:sp>
+      <p:sp>
+        <p:nvSpPr>
+          <p:cNvPr id="11" name="文字方塊 10"/>
+          <p:cNvSpPr txBox="1"/>
+          <p:nvPr/>
+        </p:nvSpPr>
+        <p:spPr>
+          <a:xfrm>
+            <a:off x="10374735" y="5497496"/>
+            <a:ext cx="973343" cy="369332"/>
+          </a:xfrm>
+          <a:prstGeom prst="rect">
+            <a:avLst/>
+          </a:prstGeom>
+          <a:noFill/>
+        </p:spPr>
+        <p:txBody>
+          <a:bodyPr wrap="none" rtlCol="0">
+            <a:spAutoFit/>
+          </a:bodyPr>
+          <a:lstStyle/>
+          <a:p>
+            <a:r>
+              <a:rPr lang="en-US" altLang="zh-TW" dirty="0" smtClean="0"/>
+              <a:t>Sign up</a:t>
+            </a:r>
+            <a:endParaRPr lang="zh-TW" altLang="en-US" dirty="0"/>
+          </a:p>
+        </p:txBody>
+      </p:sp>
     </p:spTree>
     <p:extLst>
       <p:ext uri="{BB962C8B-B14F-4D97-AF65-F5344CB8AC3E}">
@@ -8346,43 +8851,44 @@
           </a:xfrm>
         </p:spPr>
         <p:txBody>
-          <a:bodyPr/>
+          <a:bodyPr>
+            <a:normAutofit/>
+          </a:bodyPr>
           <a:lstStyle/>
           <a:p>
             <a:pPr algn="ctr"/>
             <a:r>
               <a:rPr lang="zh-TW" altLang="en-US" sz="4000" dirty="0">
-                <a:solidFill>
-                  <a:prstClr val="black"/>
-                </a:solidFill>
+                <a:latin typeface="微軟正黑體" panose="020B0604030504040204" pitchFamily="34" charset="-120"/>
+                <a:ea typeface="微軟正黑體" panose="020B0604030504040204" pitchFamily="34" charset="-120"/>
               </a:rPr>
               <a:t>視覺</a:t>
             </a:r>
             <a:r>
-              <a:rPr lang="zh-TW" altLang="en-US" sz="4000" dirty="0" smtClean="0">
-                <a:solidFill>
-                  <a:prstClr val="black"/>
-                </a:solidFill>
+              <a:rPr lang="zh-TW" altLang="en-US" sz="4000" dirty="0">
+                <a:latin typeface="微軟正黑體" panose="020B0604030504040204" pitchFamily="34" charset="-120"/>
+                <a:ea typeface="微軟正黑體" panose="020B0604030504040204" pitchFamily="34" charset="-120"/>
               </a:rPr>
               <a:t>稿</a:t>
             </a:r>
             <a:r>
-              <a:rPr lang="en-US" altLang="zh-TW" sz="4000" dirty="0" smtClean="0">
-                <a:solidFill>
-                  <a:prstClr val="black"/>
-                </a:solidFill>
+              <a:rPr lang="en-US" altLang="zh-TW" sz="4000" dirty="0">
+                <a:latin typeface="微軟正黑體" panose="020B0604030504040204" pitchFamily="34" charset="-120"/>
+                <a:ea typeface="微軟正黑體" panose="020B0604030504040204" pitchFamily="34" charset="-120"/>
               </a:rPr>
               <a:t>(2/3</a:t>
             </a:r>
             <a:r>
               <a:rPr lang="en-US" altLang="zh-TW" sz="4000" dirty="0">
-                <a:solidFill>
-                  <a:prstClr val="black"/>
-                </a:solidFill>
+                <a:latin typeface="微軟正黑體" panose="020B0604030504040204" pitchFamily="34" charset="-120"/>
+                <a:ea typeface="微軟正黑體" panose="020B0604030504040204" pitchFamily="34" charset="-120"/>
               </a:rPr>
               <a:t>)</a:t>
             </a:r>
-            <a:endParaRPr lang="en-US" dirty="0"/>
+            <a:endParaRPr lang="en-US" sz="4000" dirty="0">
+              <a:latin typeface="微軟正黑體" panose="020B0604030504040204" pitchFamily="34" charset="-120"/>
+              <a:ea typeface="微軟正黑體" panose="020B0604030504040204" pitchFamily="34" charset="-120"/>
+            </a:endParaRPr>
           </a:p>
         </p:txBody>
       </p:sp>
@@ -8408,7 +8914,7 @@
         </p:blipFill>
         <p:spPr>
           <a:xfrm>
-            <a:off x="1915149" y="1676005"/>
+            <a:off x="1915149" y="1480062"/>
             <a:ext cx="2478024" cy="4162818"/>
           </a:xfrm>
           <a:prstGeom prst="rect">
@@ -8438,7 +8944,7 @@
         </p:blipFill>
         <p:spPr>
           <a:xfrm>
-            <a:off x="5055763" y="1676005"/>
+            <a:off x="5055763" y="1480062"/>
             <a:ext cx="2478024" cy="4162818"/>
           </a:xfrm>
           <a:prstGeom prst="rect">
@@ -8468,7 +8974,7 @@
         </p:blipFill>
         <p:spPr>
           <a:xfrm>
-            <a:off x="8196377" y="1676005"/>
+            <a:off x="8196377" y="1480062"/>
             <a:ext cx="2480171" cy="4162818"/>
           </a:xfrm>
           <a:prstGeom prst="rect">
@@ -8476,6 +8982,96 @@
           </a:prstGeom>
         </p:spPr>
       </p:pic>
+      <p:sp>
+        <p:nvSpPr>
+          <p:cNvPr id="7" name="文字方塊 6"/>
+          <p:cNvSpPr txBox="1"/>
+          <p:nvPr/>
+        </p:nvSpPr>
+        <p:spPr>
+          <a:xfrm>
+            <a:off x="2605132" y="5751342"/>
+            <a:ext cx="1098058" cy="369332"/>
+          </a:xfrm>
+          <a:prstGeom prst="rect">
+            <a:avLst/>
+          </a:prstGeom>
+          <a:noFill/>
+        </p:spPr>
+        <p:txBody>
+          <a:bodyPr wrap="none" rtlCol="0">
+            <a:spAutoFit/>
+          </a:bodyPr>
+          <a:lstStyle/>
+          <a:p>
+            <a:r>
+              <a:rPr lang="en-US" altLang="zh-TW" dirty="0" smtClean="0"/>
+              <a:t>Recipe A</a:t>
+            </a:r>
+            <a:endParaRPr lang="zh-TW" altLang="en-US" dirty="0"/>
+          </a:p>
+        </p:txBody>
+      </p:sp>
+      <p:sp>
+        <p:nvSpPr>
+          <p:cNvPr id="9" name="文字方塊 8"/>
+          <p:cNvSpPr txBox="1"/>
+          <p:nvPr/>
+        </p:nvSpPr>
+        <p:spPr>
+          <a:xfrm>
+            <a:off x="5760814" y="5751342"/>
+            <a:ext cx="1067921" cy="369332"/>
+          </a:xfrm>
+          <a:prstGeom prst="rect">
+            <a:avLst/>
+          </a:prstGeom>
+          <a:noFill/>
+        </p:spPr>
+        <p:txBody>
+          <a:bodyPr wrap="none" rtlCol="0">
+            <a:spAutoFit/>
+          </a:bodyPr>
+          <a:lstStyle/>
+          <a:p>
+            <a:r>
+              <a:rPr lang="en-US" altLang="zh-TW" dirty="0" smtClean="0"/>
+              <a:t>Recipe B</a:t>
+            </a:r>
+            <a:endParaRPr lang="zh-TW" altLang="en-US" dirty="0"/>
+          </a:p>
+        </p:txBody>
+      </p:sp>
+      <p:sp>
+        <p:nvSpPr>
+          <p:cNvPr id="10" name="文字方塊 9"/>
+          <p:cNvSpPr txBox="1"/>
+          <p:nvPr/>
+        </p:nvSpPr>
+        <p:spPr>
+          <a:xfrm>
+            <a:off x="8891280" y="5751342"/>
+            <a:ext cx="1090363" cy="369332"/>
+          </a:xfrm>
+          <a:prstGeom prst="rect">
+            <a:avLst/>
+          </a:prstGeom>
+          <a:noFill/>
+        </p:spPr>
+        <p:txBody>
+          <a:bodyPr wrap="none" rtlCol="0">
+            <a:spAutoFit/>
+          </a:bodyPr>
+          <a:lstStyle/>
+          <a:p>
+            <a:r>
+              <a:rPr lang="en-US" altLang="zh-TW" dirty="0" smtClean="0"/>
+              <a:t>Recipe C</a:t>
+            </a:r>
+            <a:endParaRPr lang="zh-TW" altLang="en-US" dirty="0"/>
+          </a:p>
+        </p:txBody>
+      </p:sp>
     </p:spTree>
     <p:extLst>
       <p:ext uri="{BB962C8B-B14F-4D97-AF65-F5344CB8AC3E}">
@@ -8530,43 +9126,44 @@
           </a:xfrm>
         </p:spPr>
         <p:txBody>
-          <a:bodyPr/>
+          <a:bodyPr>
+            <a:normAutofit/>
+          </a:bodyPr>
           <a:lstStyle/>
           <a:p>
             <a:pPr algn="ctr"/>
             <a:r>
               <a:rPr lang="zh-TW" altLang="en-US" sz="4000" dirty="0">
-                <a:solidFill>
-                  <a:prstClr val="black"/>
-                </a:solidFill>
+                <a:latin typeface="微軟正黑體" panose="020B0604030504040204" pitchFamily="34" charset="-120"/>
+                <a:ea typeface="微軟正黑體" panose="020B0604030504040204" pitchFamily="34" charset="-120"/>
               </a:rPr>
               <a:t>視覺</a:t>
             </a:r>
             <a:r>
-              <a:rPr lang="zh-TW" altLang="en-US" sz="4000" dirty="0" smtClean="0">
-                <a:solidFill>
-                  <a:prstClr val="black"/>
-                </a:solidFill>
+              <a:rPr lang="zh-TW" altLang="en-US" sz="4000" dirty="0">
+                <a:latin typeface="微軟正黑體" panose="020B0604030504040204" pitchFamily="34" charset="-120"/>
+                <a:ea typeface="微軟正黑體" panose="020B0604030504040204" pitchFamily="34" charset="-120"/>
               </a:rPr>
               <a:t>稿</a:t>
             </a:r>
             <a:r>
-              <a:rPr lang="en-US" altLang="zh-TW" sz="4000" dirty="0" smtClean="0">
-                <a:solidFill>
-                  <a:prstClr val="black"/>
-                </a:solidFill>
+              <a:rPr lang="en-US" altLang="zh-TW" sz="4000" dirty="0">
+                <a:latin typeface="微軟正黑體" panose="020B0604030504040204" pitchFamily="34" charset="-120"/>
+                <a:ea typeface="微軟正黑體" panose="020B0604030504040204" pitchFamily="34" charset="-120"/>
               </a:rPr>
               <a:t>(3/3</a:t>
             </a:r>
             <a:r>
               <a:rPr lang="en-US" altLang="zh-TW" sz="4000" dirty="0">
-                <a:solidFill>
-                  <a:prstClr val="black"/>
-                </a:solidFill>
+                <a:latin typeface="微軟正黑體" panose="020B0604030504040204" pitchFamily="34" charset="-120"/>
+                <a:ea typeface="微軟正黑體" panose="020B0604030504040204" pitchFamily="34" charset="-120"/>
               </a:rPr>
               <a:t>)</a:t>
             </a:r>
-            <a:endParaRPr lang="en-US" dirty="0"/>
+            <a:endParaRPr lang="en-US" sz="4000" dirty="0">
+              <a:latin typeface="微軟正黑體" panose="020B0604030504040204" pitchFamily="34" charset="-120"/>
+              <a:ea typeface="微軟正黑體" panose="020B0604030504040204" pitchFamily="34" charset="-120"/>
+            </a:endParaRPr>
           </a:p>
         </p:txBody>
       </p:sp>
@@ -8592,7 +9189,7 @@
         </p:blipFill>
         <p:spPr>
           <a:xfrm>
-            <a:off x="1790699" y="2000249"/>
+            <a:off x="1864178" y="1583870"/>
             <a:ext cx="2487168" cy="3971925"/>
           </a:xfrm>
           <a:prstGeom prst="rect">
@@ -8622,7 +9219,7 @@
         </p:blipFill>
         <p:spPr>
           <a:xfrm>
-            <a:off x="5022616" y="1994535"/>
+            <a:off x="5096095" y="1578156"/>
             <a:ext cx="2487168" cy="3971925"/>
           </a:xfrm>
           <a:prstGeom prst="rect">
@@ -8652,7 +9249,7 @@
         </p:blipFill>
         <p:spPr>
           <a:xfrm>
-            <a:off x="8254533" y="1988820"/>
+            <a:off x="8328012" y="1572441"/>
             <a:ext cx="2486025" cy="3977640"/>
           </a:xfrm>
           <a:prstGeom prst="rect">
@@ -8660,6 +9257,96 @@
           </a:prstGeom>
         </p:spPr>
       </p:pic>
+      <p:sp>
+        <p:nvSpPr>
+          <p:cNvPr id="8" name="文字方塊 7"/>
+          <p:cNvSpPr txBox="1"/>
+          <p:nvPr/>
+        </p:nvSpPr>
+        <p:spPr>
+          <a:xfrm>
+            <a:off x="2558733" y="5681548"/>
+            <a:ext cx="1104790" cy="369332"/>
+          </a:xfrm>
+          <a:prstGeom prst="rect">
+            <a:avLst/>
+          </a:prstGeom>
+          <a:noFill/>
+        </p:spPr>
+        <p:txBody>
+          <a:bodyPr wrap="none" rtlCol="0">
+            <a:spAutoFit/>
+          </a:bodyPr>
+          <a:lstStyle/>
+          <a:p>
+            <a:r>
+              <a:rPr lang="en-US" altLang="zh-TW" dirty="0" smtClean="0"/>
+              <a:t>Recipe D</a:t>
+            </a:r>
+            <a:endParaRPr lang="zh-TW" altLang="en-US" dirty="0"/>
+          </a:p>
+        </p:txBody>
+      </p:sp>
+      <p:sp>
+        <p:nvSpPr>
+          <p:cNvPr id="9" name="文字方塊 8"/>
+          <p:cNvSpPr txBox="1"/>
+          <p:nvPr/>
+        </p:nvSpPr>
+        <p:spPr>
+          <a:xfrm>
+            <a:off x="5790650" y="5681548"/>
+            <a:ext cx="1067921" cy="369332"/>
+          </a:xfrm>
+          <a:prstGeom prst="rect">
+            <a:avLst/>
+          </a:prstGeom>
+          <a:noFill/>
+        </p:spPr>
+        <p:txBody>
+          <a:bodyPr wrap="none" rtlCol="0">
+            <a:spAutoFit/>
+          </a:bodyPr>
+          <a:lstStyle/>
+          <a:p>
+            <a:r>
+              <a:rPr lang="en-US" altLang="zh-TW" dirty="0" smtClean="0"/>
+              <a:t>Recipe E</a:t>
+            </a:r>
+            <a:endParaRPr lang="zh-TW" altLang="en-US" dirty="0"/>
+          </a:p>
+        </p:txBody>
+      </p:sp>
+      <p:sp>
+        <p:nvSpPr>
+          <p:cNvPr id="10" name="文字方塊 9"/>
+          <p:cNvSpPr txBox="1"/>
+          <p:nvPr/>
+        </p:nvSpPr>
+        <p:spPr>
+          <a:xfrm>
+            <a:off x="9021995" y="5681548"/>
+            <a:ext cx="1055097" cy="369332"/>
+          </a:xfrm>
+          <a:prstGeom prst="rect">
+            <a:avLst/>
+          </a:prstGeom>
+          <a:noFill/>
+        </p:spPr>
+        <p:txBody>
+          <a:bodyPr wrap="none" rtlCol="0">
+            <a:spAutoFit/>
+          </a:bodyPr>
+          <a:lstStyle/>
+          <a:p>
+            <a:r>
+              <a:rPr lang="en-US" altLang="zh-TW" dirty="0" smtClean="0"/>
+              <a:t>Recipe F</a:t>
+            </a:r>
+            <a:endParaRPr lang="zh-TW" altLang="en-US" dirty="0"/>
+          </a:p>
+        </p:txBody>
+      </p:sp>
     </p:spTree>
     <p:extLst>
       <p:ext uri="{BB962C8B-B14F-4D97-AF65-F5344CB8AC3E}">
@@ -8707,7 +9394,12 @@
             <p:ph type="title"/>
           </p:nvPr>
         </p:nvSpPr>
-        <p:spPr/>
+        <p:spPr>
+          <a:xfrm>
+            <a:off x="1534696" y="167705"/>
+            <a:ext cx="9520158" cy="1049235"/>
+          </a:xfrm>
+        </p:spPr>
         <p:txBody>
           <a:bodyPr>
             <a:normAutofit/>
@@ -8715,13 +9407,41 @@
           <a:lstStyle/>
           <a:p>
             <a:r>
-              <a:rPr lang="en-US" sz="4000" dirty="0" smtClean="0"/>
-              <a:t>GitHub</a:t>
-            </a:r>
-            <a:endParaRPr lang="en-US" sz="4000" dirty="0"/>
-          </a:p>
-        </p:txBody>
-      </p:sp>
+              <a:rPr lang="en-US" altLang="zh-TW" sz="4000" dirty="0"/>
+              <a:t>Responsive </a:t>
+            </a:r>
+            <a:r>
+              <a:rPr lang="en-US" altLang="zh-TW" sz="4000" dirty="0"/>
+              <a:t>Web Design ( RWD )</a:t>
+            </a:r>
+            <a:endParaRPr lang="zh-TW" altLang="en-US" sz="4000" dirty="0"/>
+          </a:p>
+        </p:txBody>
+      </p:sp>
+      <p:pic>
+        <p:nvPicPr>
+          <p:cNvPr id="4" name="圖片 3"/>
+          <p:cNvPicPr>
+            <a:picLocks noChangeAspect="1"/>
+          </p:cNvPicPr>
+          <p:nvPr/>
+        </p:nvPicPr>
+        <p:blipFill>
+          <a:blip r:embed="rId2"/>
+          <a:stretch>
+            <a:fillRect/>
+          </a:stretch>
+        </p:blipFill>
+        <p:spPr>
+          <a:xfrm>
+            <a:off x="1534696" y="1303509"/>
+            <a:ext cx="2430378" cy="4250817"/>
+          </a:xfrm>
+          <a:prstGeom prst="rect">
+            <a:avLst/>
+          </a:prstGeom>
+        </p:spPr>
+      </p:pic>
       <p:pic>
         <p:nvPicPr>
           <p:cNvPr id="5" name="圖片 4"/>
@@ -8731,21 +9451,39 @@
           <p:nvPr/>
         </p:nvPicPr>
         <p:blipFill>
-          <a:blip r:embed="rId2">
-            <a:extLst>
-              <a:ext uri="{28A0092B-C50C-407E-A947-70E740481C1C}">
-                <a14:useLocalDpi xmlns:a14="http://schemas.microsoft.com/office/drawing/2010/main" val="0"/>
-              </a:ext>
-            </a:extLst>
-          </a:blip>
+          <a:blip r:embed="rId3"/>
           <a:stretch>
             <a:fillRect/>
           </a:stretch>
         </p:blipFill>
         <p:spPr>
           <a:xfrm>
-            <a:off x="152399" y="2543175"/>
-            <a:ext cx="12030295" cy="2897418"/>
+            <a:off x="4648262" y="1303507"/>
+            <a:ext cx="2831464" cy="4250817"/>
+          </a:xfrm>
+          <a:prstGeom prst="rect">
+            <a:avLst/>
+          </a:prstGeom>
+        </p:spPr>
+      </p:pic>
+      <p:pic>
+        <p:nvPicPr>
+          <p:cNvPr id="6" name="圖片 5"/>
+          <p:cNvPicPr>
+            <a:picLocks noChangeAspect="1"/>
+          </p:cNvPicPr>
+          <p:nvPr/>
+        </p:nvPicPr>
+        <p:blipFill>
+          <a:blip r:embed="rId4"/>
+          <a:stretch>
+            <a:fillRect/>
+          </a:stretch>
+        </p:blipFill>
+        <p:spPr>
+          <a:xfrm>
+            <a:off x="8162914" y="1303508"/>
+            <a:ext cx="2435070" cy="4250817"/>
           </a:xfrm>
           <a:prstGeom prst="rect">
             <a:avLst/>
@@ -8755,7 +9493,7 @@
     </p:spTree>
     <p:extLst>
       <p:ext uri="{BB962C8B-B14F-4D97-AF65-F5344CB8AC3E}">
-        <p14:creationId xmlns:p14="http://schemas.microsoft.com/office/powerpoint/2010/main" val="764080679"/>
+        <p14:creationId xmlns:p14="http://schemas.microsoft.com/office/powerpoint/2010/main" val="2222252810"/>
       </p:ext>
     </p:extLst>
   </p:cSld>

--- a/Midterm_Project/PPT/iRecipe.pptx
+++ b/Midterm_Project/PPT/iRecipe.pptx
@@ -113,6 +113,11 @@
       </a:defRPr>
     </a:lvl9pPr>
   </p:defaultTextStyle>
+  <p:extLst>
+    <p:ext uri="{EFAFB233-063F-42B5-8137-9DF3F51BA10A}">
+      <p15:sldGuideLst xmlns:p15="http://schemas.microsoft.com/office/powerpoint/2012/main"/>
+    </p:ext>
+  </p:extLst>
 </p:presentation>
 </file>
 
@@ -6639,11 +6644,15 @@
             </a:r>
             <a:r>
               <a:rPr lang="en-US" altLang="zh-TW" sz="2400" dirty="0" smtClean="0"/>
-              <a:t>1045900</a:t>
+              <a:t>104590021</a:t>
+            </a:r>
+            <a:r>
+              <a:rPr lang="zh-TW" altLang="en-US" sz="2400" smtClean="0"/>
+              <a:t> 陳</a:t>
             </a:r>
             <a:r>
               <a:rPr lang="zh-TW" altLang="en-US" sz="2400" dirty="0" smtClean="0"/>
-              <a:t>     陳立宭</a:t>
+              <a:t>立宭</a:t>
             </a:r>
             <a:endParaRPr lang="en-US" altLang="zh-TW" sz="2400" dirty="0" smtClean="0"/>
           </a:p>
